--- a/中間発表資料 グループ12.pptx
+++ b/中間発表資料 グループ12.pptx
@@ -127,7 +127,8 @@
 <file path=ppt/revisionInfo.xml><?xml version="1.0" encoding="utf-8"?>
 <p1510:revInfo xmlns:a="http://schemas.openxmlformats.org/drawingml/2006/main" xmlns:r="http://schemas.openxmlformats.org/officeDocument/2006/relationships" xmlns:p1510="http://schemas.microsoft.com/office/powerpoint/2015/10/main">
   <p1510:revLst>
-    <p1510:client id="{A300DDA4-E998-4258-9CED-6F56C2F043CF}" v="5" dt="2024-06-18T13:20:51.548"/>
+    <p1510:client id="{47BF3A06-B00F-CE4A-9F69-F1FD71CD0A33}" v="7" dt="2024-06-18T22:42:53.415"/>
+    <p1510:client id="{A300DDA4-E998-4258-9CED-6F56C2F043CF}" v="6" dt="2024-06-19T03:03:15.047"/>
   </p1510:revLst>
 </p1510:revInfo>
 </file>
@@ -3842,14 +3843,14 @@
             <a:t>ユーザは、冷房の電源の操作を</a:t>
           </a:r>
           <a:r>
-            <a:rPr kumimoji="1" lang="en-US" dirty="0"/>
+            <a:rPr kumimoji="1" lang="en-US"/>
             <a:t>LINE</a:t>
           </a:r>
           <a:r>
             <a:rPr kumimoji="1" lang="ja-JP"/>
             <a:t>を通じて行うことができること</a:t>
           </a:r>
-          <a:endParaRPr lang="en-US" dirty="0"/>
+          <a:endParaRPr lang="en-US"/>
         </a:p>
       </dgm:t>
     </dgm:pt>
@@ -3887,14 +3888,14 @@
             <a:t>ユーザは、冷房の温度を</a:t>
           </a:r>
           <a:r>
-            <a:rPr kumimoji="1" lang="en-US" dirty="0"/>
+            <a:rPr kumimoji="1" lang="en-US"/>
             <a:t>LINE</a:t>
           </a:r>
           <a:r>
             <a:rPr kumimoji="1" lang="ja-JP"/>
             <a:t>を通じて変更することができること</a:t>
           </a:r>
-          <a:endParaRPr lang="en-US" dirty="0"/>
+          <a:endParaRPr lang="en-US"/>
         </a:p>
       </dgm:t>
     </dgm:pt>
@@ -3932,7 +3933,7 @@
             <a:t>人感センサーが反応してから</a:t>
           </a:r>
           <a:r>
-            <a:rPr kumimoji="1" lang="en-US" dirty="0"/>
+            <a:rPr kumimoji="1" lang="en-US"/>
             <a:t>15</a:t>
           </a:r>
           <a:r>
@@ -3940,14 +3941,14 @@
             <a:t>分間に再び人感センサーに反応がなかった場合、ユーザは冷房の消し忘れの確認を</a:t>
           </a:r>
           <a:r>
-            <a:rPr kumimoji="1" lang="en-US" dirty="0"/>
+            <a:rPr kumimoji="1" lang="en-US"/>
             <a:t>LINE</a:t>
           </a:r>
           <a:r>
             <a:rPr kumimoji="1" lang="ja-JP"/>
             <a:t>にて受け取ることができること</a:t>
           </a:r>
-          <a:endParaRPr lang="en-US" dirty="0"/>
+          <a:endParaRPr lang="en-US"/>
         </a:p>
       </dgm:t>
     </dgm:pt>
@@ -5731,14 +5732,14 @@
             <a:t>ユーザは、冷房の電源の操作を</a:t>
           </a:r>
           <a:r>
-            <a:rPr kumimoji="1" lang="en-US" sz="1500" kern="1200" dirty="0"/>
+            <a:rPr kumimoji="1" lang="en-US" sz="1500" kern="1200"/>
             <a:t>LINE</a:t>
           </a:r>
           <a:r>
             <a:rPr kumimoji="1" lang="ja-JP" sz="1500" kern="1200"/>
             <a:t>を通じて行うことができること</a:t>
           </a:r>
-          <a:endParaRPr lang="en-US" sz="1500" kern="1200" dirty="0"/>
+          <a:endParaRPr lang="en-US" sz="1500" kern="1200"/>
         </a:p>
       </dsp:txBody>
       <dsp:txXfrm>
@@ -5871,14 +5872,14 @@
             <a:t>ユーザは、冷房の温度を</a:t>
           </a:r>
           <a:r>
-            <a:rPr kumimoji="1" lang="en-US" sz="1500" kern="1200" dirty="0"/>
+            <a:rPr kumimoji="1" lang="en-US" sz="1500" kern="1200"/>
             <a:t>LINE</a:t>
           </a:r>
           <a:r>
             <a:rPr kumimoji="1" lang="ja-JP" sz="1500" kern="1200"/>
             <a:t>を通じて変更することができること</a:t>
           </a:r>
-          <a:endParaRPr lang="en-US" sz="1500" kern="1200" dirty="0"/>
+          <a:endParaRPr lang="en-US" sz="1500" kern="1200"/>
         </a:p>
       </dsp:txBody>
       <dsp:txXfrm>
@@ -6011,7 +6012,7 @@
             <a:t>人感センサーが反応してから</a:t>
           </a:r>
           <a:r>
-            <a:rPr kumimoji="1" lang="en-US" sz="1500" kern="1200" dirty="0"/>
+            <a:rPr kumimoji="1" lang="en-US" sz="1500" kern="1200"/>
             <a:t>15</a:t>
           </a:r>
           <a:r>
@@ -6019,14 +6020,14 @@
             <a:t>分間に再び人感センサーに反応がなかった場合、ユーザは冷房の消し忘れの確認を</a:t>
           </a:r>
           <a:r>
-            <a:rPr kumimoji="1" lang="en-US" sz="1500" kern="1200" dirty="0"/>
+            <a:rPr kumimoji="1" lang="en-US" sz="1500" kern="1200"/>
             <a:t>LINE</a:t>
           </a:r>
           <a:r>
             <a:rPr kumimoji="1" lang="ja-JP" sz="1500" kern="1200"/>
             <a:t>にて受け取ることができること</a:t>
           </a:r>
-          <a:endParaRPr lang="en-US" sz="1500" kern="1200" dirty="0"/>
+          <a:endParaRPr lang="en-US" sz="1500" kern="1200"/>
         </a:p>
       </dsp:txBody>
       <dsp:txXfrm>
@@ -13425,7 +13426,7 @@
           <a:p>
             <a:fld id="{A74EA8D3-3C22-EA49-B947-84A43486B21A}" type="datetimeFigureOut">
               <a:rPr kumimoji="1" lang="ja-JP" altLang="en-US" smtClean="0"/>
-              <a:t>2024/6/18</a:t>
+              <a:t>2024/6/19</a:t>
             </a:fld>
             <a:endParaRPr kumimoji="1" lang="ja-JP" altLang="en-US"/>
           </a:p>
@@ -13655,7 +13656,7 @@
           <a:p>
             <a:fld id="{A74EA8D3-3C22-EA49-B947-84A43486B21A}" type="datetimeFigureOut">
               <a:rPr kumimoji="1" lang="ja-JP" altLang="en-US" smtClean="0"/>
-              <a:t>2024/6/18</a:t>
+              <a:t>2024/6/19</a:t>
             </a:fld>
             <a:endParaRPr kumimoji="1" lang="ja-JP" altLang="en-US"/>
           </a:p>
@@ -13895,7 +13896,7 @@
           <a:p>
             <a:fld id="{A74EA8D3-3C22-EA49-B947-84A43486B21A}" type="datetimeFigureOut">
               <a:rPr kumimoji="1" lang="ja-JP" altLang="en-US" smtClean="0"/>
-              <a:t>2024/6/18</a:t>
+              <a:t>2024/6/19</a:t>
             </a:fld>
             <a:endParaRPr kumimoji="1" lang="ja-JP" altLang="en-US"/>
           </a:p>
@@ -14125,7 +14126,7 @@
           <a:p>
             <a:fld id="{A74EA8D3-3C22-EA49-B947-84A43486B21A}" type="datetimeFigureOut">
               <a:rPr kumimoji="1" lang="ja-JP" altLang="en-US" smtClean="0"/>
-              <a:t>2024/6/18</a:t>
+              <a:t>2024/6/19</a:t>
             </a:fld>
             <a:endParaRPr kumimoji="1" lang="ja-JP" altLang="en-US"/>
           </a:p>
@@ -14400,7 +14401,7 @@
           <a:p>
             <a:fld id="{A74EA8D3-3C22-EA49-B947-84A43486B21A}" type="datetimeFigureOut">
               <a:rPr kumimoji="1" lang="ja-JP" altLang="en-US" smtClean="0"/>
-              <a:t>2024/6/18</a:t>
+              <a:t>2024/6/19</a:t>
             </a:fld>
             <a:endParaRPr kumimoji="1" lang="ja-JP" altLang="en-US"/>
           </a:p>
@@ -14729,7 +14730,7 @@
           <a:p>
             <a:fld id="{A74EA8D3-3C22-EA49-B947-84A43486B21A}" type="datetimeFigureOut">
               <a:rPr kumimoji="1" lang="ja-JP" altLang="en-US" smtClean="0"/>
-              <a:t>2024/6/18</a:t>
+              <a:t>2024/6/19</a:t>
             </a:fld>
             <a:endParaRPr kumimoji="1" lang="ja-JP" altLang="en-US"/>
           </a:p>
@@ -15205,7 +15206,7 @@
           <a:p>
             <a:fld id="{A74EA8D3-3C22-EA49-B947-84A43486B21A}" type="datetimeFigureOut">
               <a:rPr kumimoji="1" lang="ja-JP" altLang="en-US" smtClean="0"/>
-              <a:t>2024/6/18</a:t>
+              <a:t>2024/6/19</a:t>
             </a:fld>
             <a:endParaRPr kumimoji="1" lang="ja-JP" altLang="en-US"/>
           </a:p>
@@ -15346,7 +15347,7 @@
           <a:p>
             <a:fld id="{A74EA8D3-3C22-EA49-B947-84A43486B21A}" type="datetimeFigureOut">
               <a:rPr kumimoji="1" lang="ja-JP" altLang="en-US" smtClean="0"/>
-              <a:t>2024/6/18</a:t>
+              <a:t>2024/6/19</a:t>
             </a:fld>
             <a:endParaRPr kumimoji="1" lang="ja-JP" altLang="en-US"/>
           </a:p>
@@ -15459,7 +15460,7 @@
           <a:p>
             <a:fld id="{A74EA8D3-3C22-EA49-B947-84A43486B21A}" type="datetimeFigureOut">
               <a:rPr kumimoji="1" lang="ja-JP" altLang="en-US" smtClean="0"/>
-              <a:t>2024/6/18</a:t>
+              <a:t>2024/6/19</a:t>
             </a:fld>
             <a:endParaRPr kumimoji="1" lang="ja-JP" altLang="en-US"/>
           </a:p>
@@ -15802,7 +15803,7 @@
           <a:p>
             <a:fld id="{A74EA8D3-3C22-EA49-B947-84A43486B21A}" type="datetimeFigureOut">
               <a:rPr kumimoji="1" lang="ja-JP" altLang="en-US" smtClean="0"/>
-              <a:t>2024/6/18</a:t>
+              <a:t>2024/6/19</a:t>
             </a:fld>
             <a:endParaRPr kumimoji="1" lang="ja-JP" altLang="en-US"/>
           </a:p>
@@ -16090,7 +16091,7 @@
           <a:p>
             <a:fld id="{A74EA8D3-3C22-EA49-B947-84A43486B21A}" type="datetimeFigureOut">
               <a:rPr kumimoji="1" lang="ja-JP" altLang="en-US" smtClean="0"/>
-              <a:t>2024/6/18</a:t>
+              <a:t>2024/6/19</a:t>
             </a:fld>
             <a:endParaRPr kumimoji="1" lang="ja-JP" altLang="en-US"/>
           </a:p>
@@ -16363,7 +16364,7 @@
           <a:p>
             <a:fld id="{A74EA8D3-3C22-EA49-B947-84A43486B21A}" type="datetimeFigureOut">
               <a:rPr kumimoji="1" lang="ja-JP" altLang="en-US" smtClean="0"/>
-              <a:t>2024/6/18</a:t>
+              <a:t>2024/6/19</a:t>
             </a:fld>
             <a:endParaRPr kumimoji="1" lang="ja-JP" altLang="en-US"/>
           </a:p>
@@ -17072,10 +17073,9 @@
           <a:lstStyle/>
           <a:p>
             <a:r>
-              <a:rPr kumimoji="1" lang="ja-JP" altLang="en-US" dirty="0"/>
+              <a:rPr kumimoji="1" lang="ja-JP" altLang="en-US"/>
               <a:t>中間発表</a:t>
             </a:r>
-            <a:endParaRPr kumimoji="1" lang="ja-JP" altLang="en-US"/>
           </a:p>
         </p:txBody>
       </p:sp>
@@ -17108,17 +17108,17 @@
           <a:lstStyle/>
           <a:p>
             <a:r>
-              <a:rPr kumimoji="1" lang="ja-JP" altLang="en-US" dirty="0"/>
+              <a:rPr kumimoji="1" lang="ja-JP" altLang="en-US"/>
               <a:t>グループ</a:t>
             </a:r>
             <a:r>
-              <a:rPr kumimoji="1" lang="en-US" altLang="ja-JP" dirty="0"/>
+              <a:rPr kumimoji="1" lang="en-US" altLang="ja-JP"/>
               <a:t>12</a:t>
             </a:r>
           </a:p>
           <a:p>
             <a:r>
-              <a:rPr lang="ja-JP" altLang="en-US" dirty="0"/>
+              <a:rPr lang="ja-JP" altLang="en-US"/>
               <a:t>安藤・岡部・木村・藤原</a:t>
             </a:r>
             <a:endParaRPr kumimoji="1" lang="ja-JP" altLang="en-US"/>
@@ -17187,7 +17187,7 @@
           <a:lstStyle/>
           <a:p>
             <a:pPr algn="ctr"/>
-            <a:endParaRPr lang="en-US" dirty="0"/>
+            <a:endParaRPr lang="en-US"/>
           </a:p>
         </p:txBody>
       </p:sp>
@@ -17810,10 +17810,9 @@
           <a:p>
             <a:pPr algn="r"/>
             <a:r>
-              <a:rPr kumimoji="1" lang="ja-JP" altLang="en-US" dirty="0"/>
+              <a:rPr kumimoji="1" lang="ja-JP" altLang="en-US"/>
               <a:t>プロジェクト計画</a:t>
             </a:r>
-            <a:endParaRPr kumimoji="1" lang="ja-JP" altLang="en-US"/>
           </a:p>
         </p:txBody>
       </p:sp>
@@ -18160,7 +18159,7 @@
           <a:lstStyle/>
           <a:p>
             <a:pPr algn="ctr"/>
-            <a:endParaRPr lang="en-US" dirty="0"/>
+            <a:endParaRPr lang="en-US"/>
           </a:p>
         </p:txBody>
       </p:sp>
@@ -19025,13 +19024,14 @@
                     <a:lstStyle/>
                     <a:p>
                       <a:r>
-                        <a:rPr kumimoji="1" lang="en-US" altLang="ja-JP" sz="1800" dirty="0"/>
+                        <a:rPr kumimoji="1" lang="en-US" altLang="ja-JP" sz="1800"/>
                         <a:t>Remo3</a:t>
                       </a:r>
                       <a:r>
-                        <a:rPr kumimoji="1" lang="ja-JP" altLang="en-US" sz="1800" dirty="0"/>
+                        <a:rPr kumimoji="1" lang="ja-JP" altLang="en-US" sz="1800"/>
                         <a:t>からのデータ取得用プログラムの実装</a:t>
                       </a:r>
+                      <a:endParaRPr kumimoji="1" lang="ja-JP" altLang="en-US" sz="1800" dirty="0"/>
                     </a:p>
                   </a:txBody>
                   <a:tcPr marL="88902" marR="88902" marT="44451" marB="44451"/>
@@ -19157,9 +19157,10 @@
                         <a:defRPr/>
                       </a:pPr>
                       <a:r>
-                        <a:rPr kumimoji="1" lang="ja-JP" altLang="en-US" sz="1800" dirty="0"/>
+                        <a:rPr kumimoji="1" lang="ja-JP" altLang="en-US" sz="1800"/>
                         <a:t>センサデータ管理用プログラムの実装</a:t>
                       </a:r>
+                      <a:endParaRPr kumimoji="1" lang="ja-JP" altLang="en-US" sz="1800" dirty="0"/>
                     </a:p>
                   </a:txBody>
                   <a:tcPr marL="88902" marR="88902" marT="44451" marB="44451"/>
@@ -19285,9 +19286,10 @@
                         <a:defRPr/>
                       </a:pPr>
                       <a:r>
-                        <a:rPr kumimoji="1" lang="ja-JP" altLang="en-US" sz="1800" dirty="0"/>
+                        <a:rPr kumimoji="1" lang="ja-JP" altLang="en-US" sz="1800"/>
                         <a:t>スプレッドシート管理用プログラムの実装</a:t>
                       </a:r>
+                      <a:endParaRPr kumimoji="1" lang="ja-JP" altLang="en-US" sz="1800" dirty="0"/>
                     </a:p>
                   </a:txBody>
                   <a:tcPr marL="88902" marR="88902" marT="44451" marB="44451"/>
@@ -19396,13 +19398,14 @@
                     <a:lstStyle/>
                     <a:p>
                       <a:r>
-                        <a:rPr kumimoji="1" lang="en-US" altLang="ja-JP" sz="1800" dirty="0"/>
+                        <a:rPr kumimoji="1" lang="en-US" altLang="ja-JP" sz="1800"/>
                         <a:t>LINE</a:t>
                       </a:r>
                       <a:r>
-                        <a:rPr kumimoji="1" lang="ja-JP" altLang="en-US" sz="1800" dirty="0"/>
+                        <a:rPr kumimoji="1" lang="ja-JP" altLang="en-US" sz="1800"/>
                         <a:t>操作用プログラムの実装</a:t>
                       </a:r>
+                      <a:endParaRPr kumimoji="1" lang="ja-JP" altLang="en-US" sz="1800" dirty="0"/>
                     </a:p>
                   </a:txBody>
                   <a:tcPr marL="88902" marR="88902" marT="44451" marB="44451"/>
@@ -19528,9 +19531,10 @@
                         <a:defRPr/>
                       </a:pPr>
                       <a:r>
-                        <a:rPr kumimoji="1" lang="ja-JP" altLang="en-US" sz="1800" dirty="0"/>
+                        <a:rPr kumimoji="1" lang="ja-JP" altLang="en-US" sz="1800"/>
                         <a:t>エアコン操作用プログラムの実装</a:t>
                       </a:r>
+                      <a:endParaRPr kumimoji="1" lang="ja-JP" altLang="en-US" sz="1800" dirty="0"/>
                     </a:p>
                   </a:txBody>
                   <a:tcPr marL="88902" marR="88902" marT="44451" marB="44451"/>
@@ -19621,7 +19625,7 @@
                     <a:bodyPr/>
                     <a:lstStyle/>
                     <a:p>
-                      <a:endParaRPr kumimoji="1" lang="ja-JP" altLang="en-US" sz="1800" dirty="0"/>
+                      <a:endParaRPr kumimoji="1" lang="ja-JP" altLang="en-US" sz="1800"/>
                     </a:p>
                   </a:txBody>
                   <a:tcPr marL="88902" marR="88902" marT="44451" marB="44451"/>
@@ -21437,10 +21441,9 @@
           <a:p>
             <a:pPr algn="r"/>
             <a:r>
-              <a:rPr kumimoji="1" lang="ja-JP" altLang="en-US" dirty="0"/>
+              <a:rPr kumimoji="1" lang="ja-JP" altLang="en-US"/>
               <a:t>要求仕様</a:t>
             </a:r>
-            <a:endParaRPr kumimoji="1" lang="ja-JP" altLang="en-US"/>
           </a:p>
         </p:txBody>
       </p:sp>
@@ -23187,10 +23190,9 @@
           <a:p>
             <a:pPr algn="r"/>
             <a:r>
-              <a:rPr kumimoji="1" lang="ja-JP" altLang="en-US" dirty="0"/>
+              <a:rPr kumimoji="1" lang="ja-JP" altLang="en-US"/>
               <a:t>設計</a:t>
             </a:r>
-            <a:endParaRPr kumimoji="1" lang="ja-JP" altLang="en-US"/>
           </a:p>
         </p:txBody>
       </p:sp>
@@ -23474,7 +23476,7 @@
           <a:lstStyle/>
           <a:p>
             <a:r>
-              <a:rPr kumimoji="1" lang="ja-JP" altLang="en-US" dirty="0"/>
+              <a:rPr kumimoji="1" lang="ja-JP" altLang="en-US"/>
               <a:t>システム処理の流れ</a:t>
             </a:r>
           </a:p>
@@ -23537,40 +23539,10 @@
           <a:lstStyle/>
           <a:p>
             <a:pPr algn="ctr"/>
-            <a:endParaRPr lang="en-US" dirty="0"/>
+            <a:endParaRPr lang="en-US"/>
           </a:p>
         </p:txBody>
       </p:sp>
-      <p:pic>
-        <p:nvPicPr>
-          <p:cNvPr id="6" name="図 5">
-            <a:extLst>
-              <a:ext uri="{FF2B5EF4-FFF2-40B4-BE49-F238E27FC236}">
-                <a16:creationId xmlns:a16="http://schemas.microsoft.com/office/drawing/2014/main" id="{19707103-2C87-2300-BEC8-E3FB59D4C5C8}"/>
-              </a:ext>
-            </a:extLst>
-          </p:cNvPr>
-          <p:cNvPicPr>
-            <a:picLocks noChangeAspect="1"/>
-          </p:cNvPicPr>
-          <p:nvPr/>
-        </p:nvPicPr>
-        <p:blipFill>
-          <a:blip r:embed="rId2"/>
-          <a:stretch>
-            <a:fillRect/>
-          </a:stretch>
-        </p:blipFill>
-        <p:spPr>
-          <a:xfrm>
-            <a:off x="5451765" y="1127665"/>
-            <a:ext cx="1139985" cy="1325564"/>
-          </a:xfrm>
-          <a:prstGeom prst="rect">
-            <a:avLst/>
-          </a:prstGeom>
-        </p:spPr>
-      </p:pic>
       <p:pic>
         <p:nvPicPr>
           <p:cNvPr id="9" name="図 8">
@@ -23586,7 +23558,7 @@
           <p:nvPr/>
         </p:nvPicPr>
         <p:blipFill>
-          <a:blip r:embed="rId3"/>
+          <a:blip r:embed="rId2"/>
           <a:stretch>
             <a:fillRect/>
           </a:stretch>
@@ -23616,7 +23588,7 @@
           <p:nvPr/>
         </p:nvPicPr>
         <p:blipFill>
-          <a:blip r:embed="rId4"/>
+          <a:blip r:embed="rId3"/>
           <a:stretch>
             <a:fillRect/>
           </a:stretch>
@@ -23646,7 +23618,7 @@
           <p:nvPr/>
         </p:nvPicPr>
         <p:blipFill>
-          <a:blip r:embed="rId5"/>
+          <a:blip r:embed="rId4"/>
           <a:stretch>
             <a:fillRect/>
           </a:stretch>
@@ -23676,7 +23648,7 @@
           <p:nvPr/>
         </p:nvPicPr>
         <p:blipFill>
-          <a:blip r:embed="rId6"/>
+          <a:blip r:embed="rId5"/>
           <a:stretch>
             <a:fillRect/>
           </a:stretch>
@@ -23898,7 +23870,7 @@
               <a:t>エアコン</a:t>
             </a:r>
             <a:r>
-              <a:rPr kumimoji="1" lang="en-US" altLang="ja-JP" sz="1200" dirty="0"/>
+              <a:rPr kumimoji="1" lang="en-US" altLang="ja-JP" sz="1200"/>
               <a:t>ON/OFF</a:t>
             </a:r>
             <a:r>
@@ -24003,7 +23975,7 @@
               <a:t>気温、温度、人感センサの情報を</a:t>
             </a:r>
             <a:r>
-              <a:rPr kumimoji="1" lang="en-US" altLang="ja-JP" sz="1400" dirty="0"/>
+              <a:rPr kumimoji="1" lang="en-US" altLang="ja-JP" sz="1400"/>
               <a:t>Nature Remo 3</a:t>
             </a:r>
             <a:r>
@@ -24011,7 +23983,7 @@
               <a:t>を通して</a:t>
             </a:r>
             <a:r>
-              <a:rPr kumimoji="1" lang="en-US" altLang="ja-JP" sz="1400" dirty="0"/>
+              <a:rPr kumimoji="1" lang="en-US" altLang="ja-JP" sz="1400"/>
               <a:t>5</a:t>
             </a:r>
             <a:r>
@@ -24051,7 +24023,7 @@
           <a:p>
             <a:pPr algn="ctr"/>
             <a:r>
-              <a:rPr kumimoji="1" lang="en-US" altLang="ja-JP" sz="1400" dirty="0"/>
+              <a:rPr kumimoji="1" lang="en-US" altLang="ja-JP" sz="1400"/>
               <a:t>Nature Remo 3</a:t>
             </a:r>
             <a:r>
@@ -24059,7 +24031,7 @@
               <a:t>から送られてきた情報</a:t>
             </a:r>
             <a:r>
-              <a:rPr kumimoji="1" lang="en-US" altLang="ja-JP" sz="1400" dirty="0"/>
+              <a:rPr kumimoji="1" lang="en-US" altLang="ja-JP" sz="1400"/>
               <a:t>(</a:t>
             </a:r>
             <a:r>
@@ -24067,7 +24039,7 @@
               <a:t>人感センサや境界値の超過、未到達</a:t>
             </a:r>
             <a:r>
-              <a:rPr kumimoji="1" lang="en-US" altLang="ja-JP" sz="1400" dirty="0"/>
+              <a:rPr kumimoji="1" lang="en-US" altLang="ja-JP" sz="1400"/>
               <a:t>)</a:t>
             </a:r>
             <a:r>
@@ -24091,8 +24063,8 @@
         </p:nvSpPr>
         <p:spPr>
           <a:xfrm>
-            <a:off x="6591750" y="5609073"/>
-            <a:ext cx="2041620" cy="923330"/>
+            <a:off x="-106328" y="2704595"/>
+            <a:ext cx="2041620" cy="1200329"/>
           </a:xfrm>
           <a:prstGeom prst="rect">
             <a:avLst/>
@@ -24107,6 +24079,10 @@
           <a:p>
             <a:pPr algn="ctr"/>
             <a:r>
+              <a:rPr lang="en-US" altLang="ja-JP"/>
+              <a:t>LINE</a:t>
+            </a:r>
+            <a:r>
               <a:rPr lang="ja-JP" altLang="en-US"/>
               <a:t>入力されたユーザの意向を元にエアコン操作命令</a:t>
             </a:r>
@@ -24116,20 +24092,181 @@
       </p:sp>
       <p:cxnSp>
         <p:nvCxnSpPr>
-          <p:cNvPr id="35" name="直線矢印コネクタ 34">
+          <p:cNvPr id="7" name="直線コネクタ 6">
             <a:extLst>
               <a:ext uri="{FF2B5EF4-FFF2-40B4-BE49-F238E27FC236}">
-                <a16:creationId xmlns:a16="http://schemas.microsoft.com/office/drawing/2014/main" id="{38EA0EFC-0A3A-7BA2-A748-F7C685CFAD0A}"/>
+                <a16:creationId xmlns:a16="http://schemas.microsoft.com/office/drawing/2014/main" id="{D115B325-88AB-29D5-8839-DE40CE758B92}"/>
               </a:ext>
             </a:extLst>
           </p:cNvPr>
-          <p:cNvCxnSpPr/>
+          <p:cNvCxnSpPr>
+            <a:cxnSpLocks/>
+          </p:cNvCxnSpPr>
           <p:nvPr/>
         </p:nvCxnSpPr>
         <p:spPr>
-          <a:xfrm flipH="1">
-            <a:off x="6804087" y="5378170"/>
-            <a:ext cx="1750220" cy="0"/>
+          <a:xfrm>
+            <a:off x="10554382" y="4993329"/>
+            <a:ext cx="1031735" cy="0"/>
+          </a:xfrm>
+          <a:prstGeom prst="line">
+            <a:avLst/>
+          </a:prstGeom>
+          <a:ln w="85725">
+            <a:solidFill>
+              <a:schemeClr val="tx1"/>
+            </a:solidFill>
+          </a:ln>
+        </p:spPr>
+        <p:style>
+          <a:lnRef idx="1">
+            <a:schemeClr val="accent1"/>
+          </a:lnRef>
+          <a:fillRef idx="0">
+            <a:schemeClr val="accent1"/>
+          </a:fillRef>
+          <a:effectRef idx="0">
+            <a:schemeClr val="accent1"/>
+          </a:effectRef>
+          <a:fontRef idx="minor">
+            <a:schemeClr val="tx1"/>
+          </a:fontRef>
+        </p:style>
+      </p:cxnSp>
+      <p:cxnSp>
+        <p:nvCxnSpPr>
+          <p:cNvPr id="24" name="直線コネクタ 23">
+            <a:extLst>
+              <a:ext uri="{FF2B5EF4-FFF2-40B4-BE49-F238E27FC236}">
+                <a16:creationId xmlns:a16="http://schemas.microsoft.com/office/drawing/2014/main" id="{E9BE0411-3D0E-9168-9C71-D55F26AAC175}"/>
+              </a:ext>
+            </a:extLst>
+          </p:cNvPr>
+          <p:cNvCxnSpPr>
+            <a:cxnSpLocks/>
+          </p:cNvCxnSpPr>
+          <p:nvPr/>
+        </p:nvCxnSpPr>
+        <p:spPr>
+          <a:xfrm>
+            <a:off x="1940312" y="2107581"/>
+            <a:ext cx="9612351" cy="0"/>
+          </a:xfrm>
+          <a:prstGeom prst="line">
+            <a:avLst/>
+          </a:prstGeom>
+          <a:ln w="85725">
+            <a:solidFill>
+              <a:schemeClr val="tx1"/>
+            </a:solidFill>
+          </a:ln>
+        </p:spPr>
+        <p:style>
+          <a:lnRef idx="1">
+            <a:schemeClr val="accent1"/>
+          </a:lnRef>
+          <a:fillRef idx="0">
+            <a:schemeClr val="accent1"/>
+          </a:fillRef>
+          <a:effectRef idx="0">
+            <a:schemeClr val="accent1"/>
+          </a:effectRef>
+          <a:fontRef idx="minor">
+            <a:schemeClr val="tx1"/>
+          </a:fontRef>
+        </p:style>
+      </p:cxnSp>
+      <p:cxnSp>
+        <p:nvCxnSpPr>
+          <p:cNvPr id="16" name="直線コネクタ 15">
+            <a:extLst>
+              <a:ext uri="{FF2B5EF4-FFF2-40B4-BE49-F238E27FC236}">
+                <a16:creationId xmlns:a16="http://schemas.microsoft.com/office/drawing/2014/main" id="{9502361A-76A4-DFCD-BB19-2597AF1B5572}"/>
+              </a:ext>
+            </a:extLst>
+          </p:cNvPr>
+          <p:cNvCxnSpPr>
+            <a:cxnSpLocks/>
+          </p:cNvCxnSpPr>
+          <p:nvPr/>
+        </p:nvCxnSpPr>
+        <p:spPr>
+          <a:xfrm flipV="1">
+            <a:off x="11552663" y="2074127"/>
+            <a:ext cx="0" cy="2951190"/>
+          </a:xfrm>
+          <a:prstGeom prst="line">
+            <a:avLst/>
+          </a:prstGeom>
+          <a:ln w="85725">
+            <a:solidFill>
+              <a:schemeClr val="tx1"/>
+            </a:solidFill>
+          </a:ln>
+        </p:spPr>
+        <p:style>
+          <a:lnRef idx="1">
+            <a:schemeClr val="accent1"/>
+          </a:lnRef>
+          <a:fillRef idx="0">
+            <a:schemeClr val="accent1"/>
+          </a:fillRef>
+          <a:effectRef idx="0">
+            <a:schemeClr val="accent1"/>
+          </a:effectRef>
+          <a:fontRef idx="minor">
+            <a:schemeClr val="tx1"/>
+          </a:fontRef>
+        </p:style>
+      </p:cxnSp>
+      <p:pic>
+        <p:nvPicPr>
+          <p:cNvPr id="6" name="図 5">
+            <a:extLst>
+              <a:ext uri="{FF2B5EF4-FFF2-40B4-BE49-F238E27FC236}">
+                <a16:creationId xmlns:a16="http://schemas.microsoft.com/office/drawing/2014/main" id="{19707103-2C87-2300-BEC8-E3FB59D4C5C8}"/>
+              </a:ext>
+            </a:extLst>
+          </p:cNvPr>
+          <p:cNvPicPr>
+            <a:picLocks noChangeAspect="1"/>
+          </p:cNvPicPr>
+          <p:nvPr/>
+        </p:nvPicPr>
+        <p:blipFill>
+          <a:blip r:embed="rId6"/>
+          <a:stretch>
+            <a:fillRect/>
+          </a:stretch>
+        </p:blipFill>
+        <p:spPr>
+          <a:xfrm>
+            <a:off x="5451765" y="1127665"/>
+            <a:ext cx="1139985" cy="1325564"/>
+          </a:xfrm>
+          <a:prstGeom prst="rect">
+            <a:avLst/>
+          </a:prstGeom>
+        </p:spPr>
+      </p:pic>
+      <p:cxnSp>
+        <p:nvCxnSpPr>
+          <p:cNvPr id="29" name="直線矢印コネクタ 28">
+            <a:extLst>
+              <a:ext uri="{FF2B5EF4-FFF2-40B4-BE49-F238E27FC236}">
+                <a16:creationId xmlns:a16="http://schemas.microsoft.com/office/drawing/2014/main" id="{14D63910-928B-BBBB-314F-5C1BFCE2E006}"/>
+              </a:ext>
+            </a:extLst>
+          </p:cNvPr>
+          <p:cNvCxnSpPr>
+            <a:cxnSpLocks/>
+          </p:cNvCxnSpPr>
+          <p:nvPr/>
+        </p:nvCxnSpPr>
+        <p:spPr>
+          <a:xfrm>
+            <a:off x="1940312" y="2074127"/>
+            <a:ext cx="0" cy="2363730"/>
           </a:xfrm>
           <a:prstGeom prst="straightConnector1">
             <a:avLst/>
@@ -24484,7 +24621,7 @@
           <a:lstStyle/>
           <a:p>
             <a:pPr algn="ctr"/>
-            <a:endParaRPr lang="en-US" dirty="0"/>
+            <a:endParaRPr lang="en-US"/>
           </a:p>
         </p:txBody>
       </p:sp>
@@ -24520,73 +24657,69 @@
               <a:buNone/>
             </a:pPr>
             <a:r>
-              <a:rPr lang="ja-JP" altLang="en-US" dirty="0"/>
+              <a:rPr lang="ja-JP" altLang="en-US"/>
               <a:t>従来の</a:t>
             </a:r>
-            <a:endParaRPr lang="en-US" altLang="ja-JP" dirty="0"/>
+            <a:endParaRPr lang="en-US" altLang="ja-JP"/>
           </a:p>
           <a:p>
             <a:r>
-              <a:rPr lang="ja-JP" altLang="en-US" dirty="0"/>
+              <a:rPr lang="ja-JP" altLang="en-US"/>
               <a:t>スプレッドシート管理用プログラム</a:t>
             </a:r>
-            <a:endParaRPr lang="en-US" altLang="ja-JP" dirty="0"/>
+            <a:endParaRPr lang="en-US" altLang="ja-JP"/>
           </a:p>
           <a:p>
             <a:r>
-              <a:rPr lang="en-US" altLang="ja-JP" dirty="0"/>
+              <a:rPr lang="en-US" altLang="ja-JP"/>
               <a:t>Remo3</a:t>
             </a:r>
             <a:r>
-              <a:rPr lang="ja-JP" altLang="en-US" dirty="0"/>
+              <a:rPr lang="ja-JP" altLang="en-US"/>
               <a:t>からのデータ取得用プログラム</a:t>
             </a:r>
-            <a:endParaRPr lang="en-US" altLang="ja-JP" dirty="0"/>
+            <a:endParaRPr lang="en-US" altLang="ja-JP"/>
           </a:p>
           <a:p>
             <a:r>
-              <a:rPr lang="ja-JP" altLang="en-US" dirty="0"/>
-              <a:t>センサデータ</a:t>
+              <a:rPr lang="ja-JP" altLang="en-US"/>
+              <a:t>センサデータ管理用プログラム</a:t>
             </a:r>
-            <a:r>
-              <a:rPr lang="ja-JP" altLang="en-US"/>
-              <a:t>管理用プログラム</a:t>
-            </a:r>
-            <a:endParaRPr lang="en-US" altLang="ja-JP" dirty="0"/>
+            <a:endParaRPr lang="en-US" altLang="ja-JP"/>
           </a:p>
           <a:p>
             <a:pPr marL="0" indent="0">
               <a:buNone/>
             </a:pPr>
-            <a:endParaRPr lang="en-US" altLang="ja-JP" dirty="0"/>
+            <a:endParaRPr lang="en-US" altLang="ja-JP"/>
           </a:p>
           <a:p>
             <a:pPr marL="0" indent="0">
               <a:buNone/>
             </a:pPr>
             <a:r>
-              <a:rPr lang="ja-JP" altLang="en-US" dirty="0"/>
+              <a:rPr lang="ja-JP" altLang="en-US"/>
               <a:t>に加えて</a:t>
             </a:r>
-            <a:endParaRPr lang="en-US" altLang="ja-JP" dirty="0"/>
+            <a:endParaRPr lang="en-US" altLang="ja-JP"/>
           </a:p>
           <a:p>
             <a:r>
-              <a:rPr lang="en-US" altLang="ja-JP" dirty="0"/>
+              <a:rPr lang="en-US" altLang="ja-JP"/>
               <a:t>LINE</a:t>
             </a:r>
             <a:r>
-              <a:rPr lang="ja-JP" altLang="en-US" dirty="0"/>
+              <a:rPr lang="ja-JP" altLang="en-US"/>
               <a:t>用プログラム</a:t>
             </a:r>
-            <a:endParaRPr lang="en-US" altLang="ja-JP" dirty="0"/>
+            <a:endParaRPr lang="en-US" altLang="ja-JP"/>
           </a:p>
           <a:p>
             <a:r>
-              <a:rPr lang="ja-JP" altLang="en-US" dirty="0"/>
+              <a:rPr lang="ja-JP" altLang="en-US"/>
               <a:t>エアコン操作用プログラム</a:t>
             </a:r>
-            <a:endParaRPr lang="en-US" altLang="ja-JP" dirty="0"/>
+            <a:endParaRPr lang="en-US" altLang="ja-JP"/>
           </a:p>
         </p:txBody>
       </p:sp>
